--- a/SalientFeatures.pptx
+++ b/SalientFeatures.pptx
@@ -12,8 +12,8 @@
     <p:sldId id="257" r:id="rId3"/>
     <p:sldId id="259" r:id="rId4"/>
     <p:sldId id="260" r:id="rId5"/>
-    <p:sldId id="258" r:id="rId6"/>
-    <p:sldId id="265" r:id="rId7"/>
+    <p:sldId id="265" r:id="rId6"/>
+    <p:sldId id="258" r:id="rId7"/>
     <p:sldId id="261" r:id="rId8"/>
     <p:sldId id="262" r:id="rId9"/>
     <p:sldId id="264" r:id="rId10"/>
@@ -121,6 +121,11 @@
       </a:defRPr>
     </a:lvl9pPr>
   </p:defaultTextStyle>
+  <p:extLst>
+    <p:ext uri="{EFAFB233-063F-42B5-8137-9DF3F51BA10A}">
+      <p15:sldGuideLst xmlns:p15="http://schemas.microsoft.com/office/powerpoint/2012/main"/>
+    </p:ext>
+  </p:extLst>
 </p:presentation>
 </file>
 
@@ -206,7 +211,7 @@
           <a:p>
             <a:fld id="{D988AA2A-5F25-46AE-B3B7-155E1DC9D710}" type="datetimeFigureOut">
               <a:rPr lang="en-US" smtClean="0"/>
-              <a:t>1/16/2020</a:t>
+              <a:t>1/17/2020</a:t>
             </a:fld>
             <a:endParaRPr lang="en-US"/>
           </a:p>
@@ -561,7 +566,7 @@
           <a:p>
             <a:fld id="{EFA51345-83D1-473E-98D2-0F501057D30C}" type="slidenum">
               <a:rPr lang="en-US" smtClean="0"/>
-              <a:t>5</a:t>
+              <a:t>6</a:t>
             </a:fld>
             <a:endParaRPr lang="en-US"/>
           </a:p>
@@ -915,7 +920,7 @@
           <a:p>
             <a:fld id="{43B7D8F0-E78D-45ED-BDDA-8534D0012EA8}" type="datetimeFigureOut">
               <a:rPr lang="en-US" smtClean="0"/>
-              <a:t>1/16/2020</a:t>
+              <a:t>1/17/2020</a:t>
             </a:fld>
             <a:endParaRPr lang="en-US"/>
           </a:p>
@@ -1085,7 +1090,7 @@
           <a:p>
             <a:fld id="{43B7D8F0-E78D-45ED-BDDA-8534D0012EA8}" type="datetimeFigureOut">
               <a:rPr lang="en-US" smtClean="0"/>
-              <a:t>1/16/2020</a:t>
+              <a:t>1/17/2020</a:t>
             </a:fld>
             <a:endParaRPr lang="en-US"/>
           </a:p>
@@ -1265,7 +1270,7 @@
           <a:p>
             <a:fld id="{43B7D8F0-E78D-45ED-BDDA-8534D0012EA8}" type="datetimeFigureOut">
               <a:rPr lang="en-US" smtClean="0"/>
-              <a:t>1/16/2020</a:t>
+              <a:t>1/17/2020</a:t>
             </a:fld>
             <a:endParaRPr lang="en-US"/>
           </a:p>
@@ -1435,7 +1440,7 @@
           <a:p>
             <a:fld id="{43B7D8F0-E78D-45ED-BDDA-8534D0012EA8}" type="datetimeFigureOut">
               <a:rPr lang="en-US" smtClean="0"/>
-              <a:t>1/16/2020</a:t>
+              <a:t>1/17/2020</a:t>
             </a:fld>
             <a:endParaRPr lang="en-US"/>
           </a:p>
@@ -1681,7 +1686,7 @@
           <a:p>
             <a:fld id="{43B7D8F0-E78D-45ED-BDDA-8534D0012EA8}" type="datetimeFigureOut">
               <a:rPr lang="en-US" smtClean="0"/>
-              <a:t>1/16/2020</a:t>
+              <a:t>1/17/2020</a:t>
             </a:fld>
             <a:endParaRPr lang="en-US"/>
           </a:p>
@@ -1913,7 +1918,7 @@
           <a:p>
             <a:fld id="{43B7D8F0-E78D-45ED-BDDA-8534D0012EA8}" type="datetimeFigureOut">
               <a:rPr lang="en-US" smtClean="0"/>
-              <a:t>1/16/2020</a:t>
+              <a:t>1/17/2020</a:t>
             </a:fld>
             <a:endParaRPr lang="en-US"/>
           </a:p>
@@ -2280,7 +2285,7 @@
           <a:p>
             <a:fld id="{43B7D8F0-E78D-45ED-BDDA-8534D0012EA8}" type="datetimeFigureOut">
               <a:rPr lang="en-US" smtClean="0"/>
-              <a:t>1/16/2020</a:t>
+              <a:t>1/17/2020</a:t>
             </a:fld>
             <a:endParaRPr lang="en-US"/>
           </a:p>
@@ -2398,7 +2403,7 @@
           <a:p>
             <a:fld id="{43B7D8F0-E78D-45ED-BDDA-8534D0012EA8}" type="datetimeFigureOut">
               <a:rPr lang="en-US" smtClean="0"/>
-              <a:t>1/16/2020</a:t>
+              <a:t>1/17/2020</a:t>
             </a:fld>
             <a:endParaRPr lang="en-US"/>
           </a:p>
@@ -2493,7 +2498,7 @@
           <a:p>
             <a:fld id="{43B7D8F0-E78D-45ED-BDDA-8534D0012EA8}" type="datetimeFigureOut">
               <a:rPr lang="en-US" smtClean="0"/>
-              <a:t>1/16/2020</a:t>
+              <a:t>1/17/2020</a:t>
             </a:fld>
             <a:endParaRPr lang="en-US"/>
           </a:p>
@@ -2770,7 +2775,7 @@
           <a:p>
             <a:fld id="{43B7D8F0-E78D-45ED-BDDA-8534D0012EA8}" type="datetimeFigureOut">
               <a:rPr lang="en-US" smtClean="0"/>
-              <a:t>1/16/2020</a:t>
+              <a:t>1/17/2020</a:t>
             </a:fld>
             <a:endParaRPr lang="en-US"/>
           </a:p>
@@ -3023,7 +3028,7 @@
           <a:p>
             <a:fld id="{43B7D8F0-E78D-45ED-BDDA-8534D0012EA8}" type="datetimeFigureOut">
               <a:rPr lang="en-US" smtClean="0"/>
-              <a:t>1/16/2020</a:t>
+              <a:t>1/17/2020</a:t>
             </a:fld>
             <a:endParaRPr lang="en-US"/>
           </a:p>
@@ -3236,7 +3241,7 @@
           <a:p>
             <a:fld id="{43B7D8F0-E78D-45ED-BDDA-8534D0012EA8}" type="datetimeFigureOut">
               <a:rPr lang="en-US" smtClean="0"/>
-              <a:t>1/16/2020</a:t>
+              <a:t>1/17/2020</a:t>
             </a:fld>
             <a:endParaRPr lang="en-US"/>
           </a:p>
@@ -3681,7 +3686,28 @@
           <a:p>
             <a:r>
               <a:rPr lang="en-US" dirty="0" smtClean="0"/>
-              <a:t>Salient Features</a:t>
+              <a:t>Salient </a:t>
+            </a:r>
+            <a:r>
+              <a:rPr lang="en-US" dirty="0" smtClean="0"/>
+              <a:t>Features</a:t>
+            </a:r>
+          </a:p>
+          <a:p>
+            <a:endParaRPr lang="en-US" dirty="0"/>
+          </a:p>
+          <a:p>
+            <a:r>
+              <a:rPr lang="en-US" dirty="0" smtClean="0"/>
+              <a:t>			</a:t>
+            </a:r>
+            <a:r>
+              <a:rPr lang="en-US" smtClean="0"/>
+              <a:t>			</a:t>
+            </a:r>
+            <a:r>
+              <a:rPr lang="en-US" i="1" smtClean="0"/>
+              <a:t>Keshav Bhatt</a:t>
             </a:r>
             <a:endParaRPr lang="en-US" dirty="0"/>
           </a:p>
@@ -3697,6 +3723,13 @@
   <p:clrMapOvr>
     <a:masterClrMapping/>
   </p:clrMapOvr>
+  <p:timing>
+    <p:tnLst>
+      <p:par>
+        <p:cTn id="1" dur="indefinite" restart="never" nodeType="tmRoot"/>
+      </p:par>
+    </p:tnLst>
+  </p:timing>
 </p:sld>
 </file>
 
@@ -3803,15 +3836,7 @@
             </a:r>
             <a:r>
               <a:rPr lang="en-US" dirty="0" smtClean="0"/>
-              <a:t>and </a:t>
-            </a:r>
-            <a:r>
-              <a:rPr lang="en-US" dirty="0" smtClean="0"/>
-              <a:t>data type</a:t>
-            </a:r>
-            <a:r>
-              <a:rPr lang="en-US" dirty="0" smtClean="0"/>
-              <a:t> </a:t>
+              <a:t>and data type </a:t>
             </a:r>
             <a:r>
               <a:rPr lang="en-US" dirty="0"/>
@@ -3819,11 +3844,7 @@
             </a:r>
             <a:r>
               <a:rPr lang="en-US" dirty="0" smtClean="0"/>
-              <a:t>inherited in </a:t>
-            </a:r>
-            <a:r>
-              <a:rPr lang="en-US" dirty="0" smtClean="0"/>
-              <a:t>the same block only</a:t>
+              <a:t>inherited in the same block only</a:t>
             </a:r>
             <a:endParaRPr lang="en-US" dirty="0"/>
           </a:p>
@@ -4514,10 +4535,27 @@
             <a:pPr lvl="1"/>
             <a:r>
               <a:rPr lang="en-US" dirty="0" smtClean="0"/>
-              <a:t>Must self-manage, but more control</a:t>
-            </a:r>
-          </a:p>
-          <a:p>
+              <a:t>Must self-manage, but more </a:t>
+            </a:r>
+            <a:r>
+              <a:rPr lang="en-US" dirty="0" smtClean="0"/>
+              <a:t>control</a:t>
+            </a:r>
+          </a:p>
+          <a:p>
+            <a:pPr lvl="1"/>
+            <a:r>
+              <a:rPr lang="en-US" dirty="0" smtClean="0"/>
+              <a:t>For multiple rows, but must use a loop</a:t>
+            </a:r>
+            <a:endParaRPr lang="en-US" dirty="0" smtClean="0"/>
+          </a:p>
+          <a:p>
+            <a:pPr lvl="1"/>
+            <a:r>
+              <a:rPr lang="en-US" dirty="0" smtClean="0"/>
+              <a:t>Multiple use</a:t>
+            </a:r>
             <a:endParaRPr lang="en-US" dirty="0" smtClean="0"/>
           </a:p>
           <a:p>
@@ -4554,19 +4592,50 @@
             <a:pPr lvl="1"/>
             <a:r>
               <a:rPr lang="en-US" dirty="0" smtClean="0"/>
-              <a:t>Area in memory to hold the results for a SELECT, INSERT, UPDATE statement</a:t>
+              <a:t>Area in memory to hold the results for a SELECT, INSERT, UPDATE </a:t>
+            </a:r>
+            <a:r>
+              <a:rPr lang="en-US" dirty="0" smtClean="0"/>
+              <a:t>statement </a:t>
             </a:r>
           </a:p>
           <a:p>
             <a:pPr lvl="1"/>
             <a:r>
+              <a:rPr lang="en-US" dirty="0" smtClean="0"/>
+              <a:t>Managed </a:t>
+            </a:r>
+            <a:r>
+              <a:rPr lang="en-US" dirty="0" smtClean="0"/>
+              <a:t>by </a:t>
+            </a:r>
+            <a:r>
+              <a:rPr lang="en-US" dirty="0" smtClean="0"/>
+              <a:t>Oracle</a:t>
+            </a:r>
+          </a:p>
+          <a:p>
+            <a:pPr lvl="1"/>
+            <a:r>
               <a:rPr lang="en-US" dirty="0"/>
-              <a:t>M</a:t>
-            </a:r>
-            <a:r>
-              <a:rPr lang="en-US" dirty="0" smtClean="0"/>
-              <a:t>anaged by Oracle</a:t>
-            </a:r>
+              <a:t>Exact 1 row </a:t>
+            </a:r>
+            <a:r>
+              <a:rPr lang="en-US" dirty="0" smtClean="0"/>
+              <a:t>commands</a:t>
+            </a:r>
+          </a:p>
+          <a:p>
+            <a:pPr lvl="1"/>
+            <a:r>
+              <a:rPr lang="en-US" dirty="0" smtClean="0"/>
+              <a:t>Single use</a:t>
+            </a:r>
+            <a:endParaRPr lang="en-US" dirty="0"/>
+          </a:p>
+          <a:p>
+            <a:pPr lvl="1"/>
+            <a:endParaRPr lang="en-US" dirty="0" smtClean="0"/>
           </a:p>
           <a:p>
             <a:pPr lvl="1"/>
@@ -4803,8 +4872,31 @@
           <a:p>
             <a:r>
               <a:rPr lang="en-US" dirty="0" smtClean="0"/>
-              <a:t>Specific for Oracle</a:t>
-            </a:r>
+              <a:t>Specific for </a:t>
+            </a:r>
+            <a:r>
+              <a:rPr lang="en-US" dirty="0" smtClean="0"/>
+              <a:t>Oracle</a:t>
+            </a:r>
+          </a:p>
+          <a:p>
+            <a:r>
+              <a:rPr lang="en-US" dirty="0"/>
+              <a:t>For Oracle </a:t>
+            </a:r>
+            <a:r>
+              <a:rPr lang="en-US" dirty="0" err="1"/>
+              <a:t>db</a:t>
+            </a:r>
+            <a:r>
+              <a:rPr lang="en-US" dirty="0"/>
+              <a:t> </a:t>
+            </a:r>
+            <a:r>
+              <a:rPr lang="en-US" dirty="0" smtClean="0"/>
+              <a:t>developers</a:t>
+            </a:r>
+            <a:endParaRPr lang="en-US" dirty="0" smtClean="0"/>
           </a:p>
           <a:p>
             <a:r>
@@ -4815,7 +4907,17 @@
           <a:p>
             <a:r>
               <a:rPr lang="en-US" dirty="0" smtClean="0"/>
-              <a:t>Not elegant code</a:t>
+              <a:t>Not elegant </a:t>
+            </a:r>
+            <a:r>
+              <a:rPr lang="en-US" dirty="0" smtClean="0"/>
+              <a:t>code]</a:t>
+            </a:r>
+          </a:p>
+          <a:p>
+            <a:r>
+              <a:rPr lang="en-US" dirty="0" smtClean="0"/>
+              <a:t>Lot of result handling must be done explicitly </a:t>
             </a:r>
           </a:p>
           <a:p>
@@ -4833,6 +4935,13 @@
   <p:clrMapOvr>
     <a:masterClrMapping/>
   </p:clrMapOvr>
+  <p:timing>
+    <p:tnLst>
+      <p:par>
+        <p:cTn id="1" dur="indefinite" restart="never" nodeType="tmRoot"/>
+      </p:par>
+    </p:tnLst>
+  </p:timing>
 </p:sld>
 </file>
 
@@ -5095,6 +5204,13 @@
   <p:clrMapOvr>
     <a:masterClrMapping/>
   </p:clrMapOvr>
+  <p:timing>
+    <p:tnLst>
+      <p:par>
+        <p:cTn id="1" dur="indefinite" restart="never" nodeType="tmRoot"/>
+      </p:par>
+    </p:tnLst>
+  </p:timing>
 </p:sld>
 </file>
 
@@ -5166,15 +5282,7 @@
             </a:pPr>
             <a:r>
               <a:rPr lang="en-US" sz="2400" dirty="0" smtClean="0"/>
-              <a:t>Performs </a:t>
-            </a:r>
-            <a:r>
-              <a:rPr lang="en-US" sz="2400" dirty="0" smtClean="0"/>
-              <a:t>checks and calculations on the PL SQL </a:t>
-            </a:r>
-            <a:r>
-              <a:rPr lang="en-US" sz="2400" dirty="0" smtClean="0"/>
-              <a:t>engine not DB</a:t>
+              <a:t>Performs checks and calculations on the PL SQL engine not DB</a:t>
             </a:r>
           </a:p>
           <a:p>
@@ -5184,15 +5292,7 @@
             </a:pPr>
             <a:r>
               <a:rPr lang="en-US" sz="2400" dirty="0" smtClean="0"/>
-              <a:t>Clumps </a:t>
-            </a:r>
-            <a:r>
-              <a:rPr lang="en-US" sz="2400" dirty="0" smtClean="0"/>
-              <a:t>multiple statements and processes </a:t>
-            </a:r>
-            <a:r>
-              <a:rPr lang="en-US" sz="2400" dirty="0" smtClean="0"/>
-              <a:t>them</a:t>
+              <a:t>Clumps multiple statements and processes them</a:t>
             </a:r>
           </a:p>
           <a:p>
@@ -5257,10 +5357,168 @@
   <p:clrMapOvr>
     <a:masterClrMapping/>
   </p:clrMapOvr>
+  <p:timing>
+    <p:tnLst>
+      <p:par>
+        <p:cTn id="1" dur="indefinite" restart="never" nodeType="tmRoot"/>
+      </p:par>
+    </p:tnLst>
+  </p:timing>
 </p:sld>
 </file>
 
 <file path=ppt/slides/slide5.xml><?xml version="1.0" encoding="utf-8"?>
+<p:sld xmlns:a="http://schemas.openxmlformats.org/drawingml/2006/main" xmlns:r="http://schemas.openxmlformats.org/officeDocument/2006/relationships" xmlns:p="http://schemas.openxmlformats.org/presentationml/2006/main">
+  <p:cSld>
+    <p:spTree>
+      <p:nvGrpSpPr>
+        <p:cNvPr id="1" name=""/>
+        <p:cNvGrpSpPr/>
+        <p:nvPr/>
+      </p:nvGrpSpPr>
+      <p:grpSpPr>
+        <a:xfrm>
+          <a:off x="0" y="0"/>
+          <a:ext cx="0" cy="0"/>
+          <a:chOff x="0" y="0"/>
+          <a:chExt cx="0" cy="0"/>
+        </a:xfrm>
+      </p:grpSpPr>
+      <p:sp>
+        <p:nvSpPr>
+          <p:cNvPr id="2" name="Title 1"/>
+          <p:cNvSpPr>
+            <a:spLocks noGrp="1"/>
+          </p:cNvSpPr>
+          <p:nvPr>
+            <p:ph type="title"/>
+          </p:nvPr>
+        </p:nvSpPr>
+        <p:spPr/>
+        <p:txBody>
+          <a:bodyPr/>
+          <a:lstStyle/>
+          <a:p>
+            <a:r>
+              <a:rPr lang="en-US" b="1" dirty="0" smtClean="0"/>
+              <a:t>Idiosyncrasies</a:t>
+            </a:r>
+            <a:endParaRPr lang="en-US" b="1" dirty="0"/>
+          </a:p>
+        </p:txBody>
+      </p:sp>
+      <p:sp>
+        <p:nvSpPr>
+          <p:cNvPr id="3" name="Content Placeholder 2"/>
+          <p:cNvSpPr>
+            <a:spLocks noGrp="1"/>
+          </p:cNvSpPr>
+          <p:nvPr>
+            <p:ph idx="1"/>
+          </p:nvPr>
+        </p:nvSpPr>
+        <p:spPr/>
+        <p:txBody>
+          <a:bodyPr/>
+          <a:lstStyle/>
+          <a:p>
+            <a:r>
+              <a:rPr lang="en-US" dirty="0" smtClean="0"/>
+              <a:t>Char are defined by ‘ ’ and not “ ”</a:t>
+            </a:r>
+          </a:p>
+          <a:p>
+            <a:r>
+              <a:rPr lang="en-US" dirty="0" smtClean="0"/>
+              <a:t>:= is assignment operator </a:t>
+            </a:r>
+            <a:br>
+              <a:rPr lang="en-US" dirty="0" smtClean="0"/>
+            </a:br>
+            <a:r>
+              <a:rPr lang="en-US" dirty="0" smtClean="0"/>
+              <a:t>= is comparison operator</a:t>
+            </a:r>
+          </a:p>
+          <a:p>
+            <a:r>
+              <a:rPr lang="en-US" dirty="0" smtClean="0"/>
+              <a:t>Case insensitive, can use a SQL formatter to </a:t>
+            </a:r>
+            <a:r>
+              <a:rPr lang="en-US" dirty="0" smtClean="0"/>
+              <a:t>prettify</a:t>
+            </a:r>
+          </a:p>
+          <a:p>
+            <a:r>
+              <a:rPr lang="en-US" dirty="0" smtClean="0"/>
+              <a:t>Space insensitive</a:t>
+            </a:r>
+            <a:endParaRPr lang="en-US" dirty="0" smtClean="0"/>
+          </a:p>
+          <a:p>
+            <a:r>
+              <a:rPr lang="en-US" dirty="0" smtClean="0"/>
+              <a:t>End statement (not line) with </a:t>
+            </a:r>
+            <a:r>
+              <a:rPr lang="en-US" b="1" dirty="0" smtClean="0"/>
+              <a:t>;</a:t>
+            </a:r>
+            <a:r>
+              <a:rPr lang="en-US" dirty="0" smtClean="0"/>
+              <a:t> and </a:t>
+            </a:r>
+            <a:r>
+              <a:rPr lang="en-US" dirty="0" err="1" smtClean="0"/>
+              <a:t>args</a:t>
+            </a:r>
+            <a:r>
+              <a:rPr lang="en-US" dirty="0" smtClean="0"/>
+              <a:t> with </a:t>
+            </a:r>
+            <a:r>
+              <a:rPr lang="en-US" b="1" dirty="0" smtClean="0"/>
+              <a:t>,</a:t>
+            </a:r>
+            <a:r>
+              <a:rPr lang="en-US" dirty="0" smtClean="0"/>
+              <a:t> (but not always consistent)</a:t>
+            </a:r>
+            <a:endParaRPr lang="en-US" dirty="0" smtClean="0"/>
+          </a:p>
+          <a:p>
+            <a:r>
+              <a:rPr lang="en-US" dirty="0" smtClean="0"/>
+              <a:t>Instead of print(), DBMS.PUT_LINE(…)</a:t>
+            </a:r>
+          </a:p>
+          <a:p>
+            <a:endParaRPr lang="en-US" dirty="0" smtClean="0"/>
+          </a:p>
+          <a:p>
+            <a:endParaRPr lang="en-US" dirty="0" smtClean="0"/>
+          </a:p>
+          <a:p>
+            <a:endParaRPr lang="en-US" dirty="0"/>
+          </a:p>
+        </p:txBody>
+      </p:sp>
+    </p:spTree>
+    <p:extLst>
+      <p:ext uri="{BB962C8B-B14F-4D97-AF65-F5344CB8AC3E}">
+        <p14:creationId xmlns:p14="http://schemas.microsoft.com/office/powerpoint/2010/main" val="1877582839"/>
+      </p:ext>
+    </p:extLst>
+  </p:cSld>
+  <p:clrMapOvr>
+    <a:masterClrMapping/>
+  </p:clrMapOvr>
+</p:sld>
+</file>
+
+<file path=ppt/slides/slide6.xml><?xml version="1.0" encoding="utf-8"?>
 <p:sld xmlns:a="http://schemas.openxmlformats.org/drawingml/2006/main" xmlns:r="http://schemas.openxmlformats.org/officeDocument/2006/relationships" xmlns:p="http://schemas.openxmlformats.org/presentationml/2006/main">
   <p:cSld>
     <p:spTree>
@@ -5394,116 +5652,6 @@
     <p:extLst>
       <p:ext uri="{BB962C8B-B14F-4D97-AF65-F5344CB8AC3E}">
         <p14:creationId xmlns:p14="http://schemas.microsoft.com/office/powerpoint/2010/main" val="3677541425"/>
-      </p:ext>
-    </p:extLst>
-  </p:cSld>
-  <p:clrMapOvr>
-    <a:masterClrMapping/>
-  </p:clrMapOvr>
-</p:sld>
-</file>
-
-<file path=ppt/slides/slide6.xml><?xml version="1.0" encoding="utf-8"?>
-<p:sld xmlns:a="http://schemas.openxmlformats.org/drawingml/2006/main" xmlns:r="http://schemas.openxmlformats.org/officeDocument/2006/relationships" xmlns:p="http://schemas.openxmlformats.org/presentationml/2006/main">
-  <p:cSld>
-    <p:spTree>
-      <p:nvGrpSpPr>
-        <p:cNvPr id="1" name=""/>
-        <p:cNvGrpSpPr/>
-        <p:nvPr/>
-      </p:nvGrpSpPr>
-      <p:grpSpPr>
-        <a:xfrm>
-          <a:off x="0" y="0"/>
-          <a:ext cx="0" cy="0"/>
-          <a:chOff x="0" y="0"/>
-          <a:chExt cx="0" cy="0"/>
-        </a:xfrm>
-      </p:grpSpPr>
-      <p:sp>
-        <p:nvSpPr>
-          <p:cNvPr id="2" name="Title 1"/>
-          <p:cNvSpPr>
-            <a:spLocks noGrp="1"/>
-          </p:cNvSpPr>
-          <p:nvPr>
-            <p:ph type="title"/>
-          </p:nvPr>
-        </p:nvSpPr>
-        <p:spPr/>
-        <p:txBody>
-          <a:bodyPr/>
-          <a:lstStyle/>
-          <a:p>
-            <a:r>
-              <a:rPr lang="en-US" b="1" dirty="0" smtClean="0"/>
-              <a:t>Idiosyncrasies</a:t>
-            </a:r>
-            <a:endParaRPr lang="en-US" b="1" dirty="0"/>
-          </a:p>
-        </p:txBody>
-      </p:sp>
-      <p:sp>
-        <p:nvSpPr>
-          <p:cNvPr id="3" name="Content Placeholder 2"/>
-          <p:cNvSpPr>
-            <a:spLocks noGrp="1"/>
-          </p:cNvSpPr>
-          <p:nvPr>
-            <p:ph idx="1"/>
-          </p:nvPr>
-        </p:nvSpPr>
-        <p:spPr/>
-        <p:txBody>
-          <a:bodyPr/>
-          <a:lstStyle/>
-          <a:p>
-            <a:r>
-              <a:rPr lang="en-US" dirty="0" smtClean="0"/>
-              <a:t>Char are defined by ‘ ’ and not “ ”</a:t>
-            </a:r>
-          </a:p>
-          <a:p>
-            <a:r>
-              <a:rPr lang="en-US" dirty="0" smtClean="0"/>
-              <a:t>:= is assignment operator </a:t>
-            </a:r>
-            <a:br>
-              <a:rPr lang="en-US" dirty="0" smtClean="0"/>
-            </a:br>
-            <a:r>
-              <a:rPr lang="en-US" dirty="0" smtClean="0"/>
-              <a:t>= is comparison operator</a:t>
-            </a:r>
-          </a:p>
-          <a:p>
-            <a:r>
-              <a:rPr lang="en-US" dirty="0" smtClean="0"/>
-              <a:t>Case insensitive, can use a SQL formatter to prettify</a:t>
-            </a:r>
-          </a:p>
-          <a:p>
-            <a:r>
-              <a:rPr lang="en-US" dirty="0" smtClean="0"/>
-              <a:t>Instead of print(), DBMS.PUT_LINE(…)</a:t>
-            </a:r>
-            <a:endParaRPr lang="en-US" dirty="0" smtClean="0"/>
-          </a:p>
-          <a:p>
-            <a:endParaRPr lang="en-US" dirty="0" smtClean="0"/>
-          </a:p>
-          <a:p>
-            <a:endParaRPr lang="en-US" dirty="0" smtClean="0"/>
-          </a:p>
-          <a:p>
-            <a:endParaRPr lang="en-US" dirty="0"/>
-          </a:p>
-        </p:txBody>
-      </p:sp>
-    </p:spTree>
-    <p:extLst>
-      <p:ext uri="{BB962C8B-B14F-4D97-AF65-F5344CB8AC3E}">
-        <p14:creationId xmlns:p14="http://schemas.microsoft.com/office/powerpoint/2010/main" val="1877582839"/>
       </p:ext>
     </p:extLst>
   </p:cSld>
